--- a/Gestion de projet & rapport projet Robot R2D2/Synoptique fonctionnel.pptx
+++ b/Gestion de projet & rapport projet Robot R2D2/Synoptique fonctionnel.pptx
@@ -104,6 +104,11 @@
       </a:defRPr>
     </a:lvl9pPr>
   </p:defaultTextStyle>
+  <p:extLst>
+    <p:ext uri="{EFAFB233-063F-42B5-8137-9DF3F51BA10A}">
+      <p15:sldGuideLst xmlns:p15="http://schemas.microsoft.com/office/powerpoint/2012/main"/>
+    </p:ext>
+  </p:extLst>
 </p:presentation>
 </file>
 
@@ -238,7 +243,7 @@
           <a:p>
             <a:fld id="{462D0E19-D3AC-4FA8-A43F-E842AD27AB51}" type="datetimeFigureOut">
               <a:rPr lang="fr-FR" smtClean="0"/>
-              <a:t>05/01/2016</a:t>
+              <a:t>08/01/2016</a:t>
             </a:fld>
             <a:endParaRPr lang="fr-FR"/>
           </a:p>
@@ -408,7 +413,7 @@
           <a:p>
             <a:fld id="{462D0E19-D3AC-4FA8-A43F-E842AD27AB51}" type="datetimeFigureOut">
               <a:rPr lang="fr-FR" smtClean="0"/>
-              <a:t>05/01/2016</a:t>
+              <a:t>08/01/2016</a:t>
             </a:fld>
             <a:endParaRPr lang="fr-FR"/>
           </a:p>
@@ -588,7 +593,7 @@
           <a:p>
             <a:fld id="{462D0E19-D3AC-4FA8-A43F-E842AD27AB51}" type="datetimeFigureOut">
               <a:rPr lang="fr-FR" smtClean="0"/>
-              <a:t>05/01/2016</a:t>
+              <a:t>08/01/2016</a:t>
             </a:fld>
             <a:endParaRPr lang="fr-FR"/>
           </a:p>
@@ -758,7 +763,7 @@
           <a:p>
             <a:fld id="{462D0E19-D3AC-4FA8-A43F-E842AD27AB51}" type="datetimeFigureOut">
               <a:rPr lang="fr-FR" smtClean="0"/>
-              <a:t>05/01/2016</a:t>
+              <a:t>08/01/2016</a:t>
             </a:fld>
             <a:endParaRPr lang="fr-FR"/>
           </a:p>
@@ -1004,7 +1009,7 @@
           <a:p>
             <a:fld id="{462D0E19-D3AC-4FA8-A43F-E842AD27AB51}" type="datetimeFigureOut">
               <a:rPr lang="fr-FR" smtClean="0"/>
-              <a:t>05/01/2016</a:t>
+              <a:t>08/01/2016</a:t>
             </a:fld>
             <a:endParaRPr lang="fr-FR"/>
           </a:p>
@@ -1236,7 +1241,7 @@
           <a:p>
             <a:fld id="{462D0E19-D3AC-4FA8-A43F-E842AD27AB51}" type="datetimeFigureOut">
               <a:rPr lang="fr-FR" smtClean="0"/>
-              <a:t>05/01/2016</a:t>
+              <a:t>08/01/2016</a:t>
             </a:fld>
             <a:endParaRPr lang="fr-FR"/>
           </a:p>
@@ -1603,7 +1608,7 @@
           <a:p>
             <a:fld id="{462D0E19-D3AC-4FA8-A43F-E842AD27AB51}" type="datetimeFigureOut">
               <a:rPr lang="fr-FR" smtClean="0"/>
-              <a:t>05/01/2016</a:t>
+              <a:t>08/01/2016</a:t>
             </a:fld>
             <a:endParaRPr lang="fr-FR"/>
           </a:p>
@@ -1721,7 +1726,7 @@
           <a:p>
             <a:fld id="{462D0E19-D3AC-4FA8-A43F-E842AD27AB51}" type="datetimeFigureOut">
               <a:rPr lang="fr-FR" smtClean="0"/>
-              <a:t>05/01/2016</a:t>
+              <a:t>08/01/2016</a:t>
             </a:fld>
             <a:endParaRPr lang="fr-FR"/>
           </a:p>
@@ -1816,7 +1821,7 @@
           <a:p>
             <a:fld id="{462D0E19-D3AC-4FA8-A43F-E842AD27AB51}" type="datetimeFigureOut">
               <a:rPr lang="fr-FR" smtClean="0"/>
-              <a:t>05/01/2016</a:t>
+              <a:t>08/01/2016</a:t>
             </a:fld>
             <a:endParaRPr lang="fr-FR"/>
           </a:p>
@@ -2093,7 +2098,7 @@
           <a:p>
             <a:fld id="{462D0E19-D3AC-4FA8-A43F-E842AD27AB51}" type="datetimeFigureOut">
               <a:rPr lang="fr-FR" smtClean="0"/>
-              <a:t>05/01/2016</a:t>
+              <a:t>08/01/2016</a:t>
             </a:fld>
             <a:endParaRPr lang="fr-FR"/>
           </a:p>
@@ -2346,7 +2351,7 @@
           <a:p>
             <a:fld id="{462D0E19-D3AC-4FA8-A43F-E842AD27AB51}" type="datetimeFigureOut">
               <a:rPr lang="fr-FR" smtClean="0"/>
-              <a:t>05/01/2016</a:t>
+              <a:t>08/01/2016</a:t>
             </a:fld>
             <a:endParaRPr lang="fr-FR"/>
           </a:p>
@@ -2559,7 +2564,7 @@
           <a:p>
             <a:fld id="{462D0E19-D3AC-4FA8-A43F-E842AD27AB51}" type="datetimeFigureOut">
               <a:rPr lang="fr-FR" smtClean="0"/>
-              <a:t>05/01/2016</a:t>
+              <a:t>08/01/2016</a:t>
             </a:fld>
             <a:endParaRPr lang="fr-FR"/>
           </a:p>
@@ -3956,6 +3961,78 @@
           </a:fontRef>
         </p:style>
       </p:cxnSp>
+      <p:cxnSp>
+        <p:nvCxnSpPr>
+          <p:cNvPr id="27" name="Connecteur droit avec flèche 26"/>
+          <p:cNvCxnSpPr/>
+          <p:nvPr/>
+        </p:nvCxnSpPr>
+        <p:spPr>
+          <a:xfrm>
+            <a:off x="4058428" y="1334021"/>
+            <a:ext cx="3534432" cy="1186059"/>
+          </a:xfrm>
+          <a:prstGeom prst="straightConnector1">
+            <a:avLst/>
+          </a:prstGeom>
+          <a:ln w="57150">
+            <a:solidFill>
+              <a:srgbClr val="FF0000"/>
+            </a:solidFill>
+            <a:tailEnd type="triangle"/>
+          </a:ln>
+        </p:spPr>
+        <p:style>
+          <a:lnRef idx="1">
+            <a:schemeClr val="accent1"/>
+          </a:lnRef>
+          <a:fillRef idx="0">
+            <a:schemeClr val="accent1"/>
+          </a:fillRef>
+          <a:effectRef idx="0">
+            <a:schemeClr val="accent1"/>
+          </a:effectRef>
+          <a:fontRef idx="minor">
+            <a:schemeClr val="tx1"/>
+          </a:fontRef>
+        </p:style>
+      </p:cxnSp>
+      <p:cxnSp>
+        <p:nvCxnSpPr>
+          <p:cNvPr id="30" name="Connecteur droit avec flèche 29"/>
+          <p:cNvCxnSpPr/>
+          <p:nvPr/>
+        </p:nvCxnSpPr>
+        <p:spPr>
+          <a:xfrm flipH="1" flipV="1">
+            <a:off x="4049557" y="1147698"/>
+            <a:ext cx="3638292" cy="1175881"/>
+          </a:xfrm>
+          <a:prstGeom prst="straightConnector1">
+            <a:avLst/>
+          </a:prstGeom>
+          <a:ln w="57150">
+            <a:solidFill>
+              <a:srgbClr val="FF0000"/>
+            </a:solidFill>
+            <a:tailEnd type="triangle"/>
+          </a:ln>
+        </p:spPr>
+        <p:style>
+          <a:lnRef idx="1">
+            <a:schemeClr val="accent1"/>
+          </a:lnRef>
+          <a:fillRef idx="0">
+            <a:schemeClr val="accent1"/>
+          </a:fillRef>
+          <a:effectRef idx="0">
+            <a:schemeClr val="accent1"/>
+          </a:effectRef>
+          <a:fontRef idx="minor">
+            <a:schemeClr val="tx1"/>
+          </a:fontRef>
+        </p:style>
+      </p:cxnSp>
     </p:spTree>
     <p:extLst>
       <p:ext uri="{BB962C8B-B14F-4D97-AF65-F5344CB8AC3E}">
